--- a/Planning Documents/Screen.pptx
+++ b/Planning Documents/Screen.pptx
@@ -238,7 +238,7 @@
           <a:p>
             <a:fld id="{0BB903BB-FB47-4722-84FC-D99250FA95C5}" type="datetimeFigureOut">
               <a:rPr lang="ko-KR" altLang="en-US" smtClean="0"/>
-              <a:t>2020-04-26</a:t>
+              <a:t>2020-05-20</a:t>
             </a:fld>
             <a:endParaRPr lang="ko-KR" altLang="en-US" dirty="0"/>
           </a:p>
@@ -805,7 +805,7 @@
           <a:p>
             <a:fld id="{A03DA264-0D3A-4422-B3CA-E3E300D6C14D}" type="datetimeFigureOut">
               <a:rPr lang="ko-KR" altLang="en-US" smtClean="0"/>
-              <a:t>2020-04-26</a:t>
+              <a:t>2020-05-20</a:t>
             </a:fld>
             <a:endParaRPr lang="ko-KR" altLang="en-US" dirty="0"/>
           </a:p>
@@ -982,7 +982,7 @@
           <a:p>
             <a:fld id="{A03DA264-0D3A-4422-B3CA-E3E300D6C14D}" type="datetimeFigureOut">
               <a:rPr lang="ko-KR" altLang="en-US" smtClean="0"/>
-              <a:t>2020-04-26</a:t>
+              <a:t>2020-05-20</a:t>
             </a:fld>
             <a:endParaRPr lang="ko-KR" altLang="en-US" dirty="0"/>
           </a:p>
@@ -1162,7 +1162,7 @@
           <a:p>
             <a:fld id="{A03DA264-0D3A-4422-B3CA-E3E300D6C14D}" type="datetimeFigureOut">
               <a:rPr lang="ko-KR" altLang="en-US" smtClean="0"/>
-              <a:t>2020-04-26</a:t>
+              <a:t>2020-05-20</a:t>
             </a:fld>
             <a:endParaRPr lang="ko-KR" altLang="en-US" dirty="0"/>
           </a:p>
@@ -1332,7 +1332,7 @@
           <a:p>
             <a:fld id="{A03DA264-0D3A-4422-B3CA-E3E300D6C14D}" type="datetimeFigureOut">
               <a:rPr lang="ko-KR" altLang="en-US" smtClean="0"/>
-              <a:t>2020-04-26</a:t>
+              <a:t>2020-05-20</a:t>
             </a:fld>
             <a:endParaRPr lang="ko-KR" altLang="en-US" dirty="0"/>
           </a:p>
@@ -1578,7 +1578,7 @@
           <a:p>
             <a:fld id="{A03DA264-0D3A-4422-B3CA-E3E300D6C14D}" type="datetimeFigureOut">
               <a:rPr lang="ko-KR" altLang="en-US" smtClean="0"/>
-              <a:t>2020-04-26</a:t>
+              <a:t>2020-05-20</a:t>
             </a:fld>
             <a:endParaRPr lang="ko-KR" altLang="en-US" dirty="0"/>
           </a:p>
@@ -1810,7 +1810,7 @@
           <a:p>
             <a:fld id="{A03DA264-0D3A-4422-B3CA-E3E300D6C14D}" type="datetimeFigureOut">
               <a:rPr lang="ko-KR" altLang="en-US" smtClean="0"/>
-              <a:t>2020-04-26</a:t>
+              <a:t>2020-05-20</a:t>
             </a:fld>
             <a:endParaRPr lang="ko-KR" altLang="en-US" dirty="0"/>
           </a:p>
@@ -2177,7 +2177,7 @@
           <a:p>
             <a:fld id="{A03DA264-0D3A-4422-B3CA-E3E300D6C14D}" type="datetimeFigureOut">
               <a:rPr lang="ko-KR" altLang="en-US" smtClean="0"/>
-              <a:t>2020-04-26</a:t>
+              <a:t>2020-05-20</a:t>
             </a:fld>
             <a:endParaRPr lang="ko-KR" altLang="en-US" dirty="0"/>
           </a:p>
@@ -2295,7 +2295,7 @@
           <a:p>
             <a:fld id="{A03DA264-0D3A-4422-B3CA-E3E300D6C14D}" type="datetimeFigureOut">
               <a:rPr lang="ko-KR" altLang="en-US" smtClean="0"/>
-              <a:t>2020-04-26</a:t>
+              <a:t>2020-05-20</a:t>
             </a:fld>
             <a:endParaRPr lang="ko-KR" altLang="en-US" dirty="0"/>
           </a:p>
@@ -2609,7 +2609,7 @@
           <a:p>
             <a:fld id="{A03DA264-0D3A-4422-B3CA-E3E300D6C14D}" type="datetimeFigureOut">
               <a:rPr lang="ko-KR" altLang="en-US" smtClean="0"/>
-              <a:t>2020-04-26</a:t>
+              <a:t>2020-05-20</a:t>
             </a:fld>
             <a:endParaRPr lang="ko-KR" altLang="en-US" dirty="0"/>
           </a:p>
@@ -2862,7 +2862,7 @@
           <a:p>
             <a:fld id="{A03DA264-0D3A-4422-B3CA-E3E300D6C14D}" type="datetimeFigureOut">
               <a:rPr lang="ko-KR" altLang="en-US" smtClean="0"/>
-              <a:t>2020-04-26</a:t>
+              <a:t>2020-05-20</a:t>
             </a:fld>
             <a:endParaRPr lang="ko-KR" altLang="en-US" dirty="0"/>
           </a:p>
@@ -3075,7 +3075,7 @@
           <a:p>
             <a:fld id="{A03DA264-0D3A-4422-B3CA-E3E300D6C14D}" type="datetimeFigureOut">
               <a:rPr lang="ko-KR" altLang="en-US" smtClean="0"/>
-              <a:t>2020-04-26</a:t>
+              <a:t>2020-05-20</a:t>
             </a:fld>
             <a:endParaRPr lang="ko-KR" altLang="en-US" dirty="0"/>
           </a:p>
@@ -13952,7 +13952,7 @@
           </p:nvSpPr>
           <p:spPr>
             <a:xfrm rot="16200000" flipH="1" flipV="1">
-              <a:off x="5195220" y="3523193"/>
+              <a:off x="5195220" y="3523192"/>
               <a:ext cx="476976" cy="476655"/>
             </a:xfrm>
             <a:prstGeom prst="diagStripe">
@@ -20648,9 +20648,7 @@
               <a:avLst/>
             </a:prstGeom>
             <a:solidFill>
-              <a:schemeClr val="accent5">
-                <a:lumMod val="75000"/>
-              </a:schemeClr>
+              <a:srgbClr val="7D82AB"/>
             </a:solidFill>
             <a:ln w="28575">
               <a:noFill/>
@@ -20696,9 +20694,7 @@
               <a:avLst/>
             </a:prstGeom>
             <a:solidFill>
-              <a:schemeClr val="accent5">
-                <a:lumMod val="75000"/>
-              </a:schemeClr>
+              <a:srgbClr val="7D82AB"/>
             </a:solidFill>
             <a:ln w="28575">
               <a:noFill/>
@@ -33542,9 +33538,8 @@
               <a:avLst/>
             </a:prstGeom>
             <a:solidFill>
-              <a:schemeClr val="tx1">
-                <a:lumMod val="65000"/>
-                <a:lumOff val="35000"/>
+              <a:schemeClr val="bg1">
+                <a:lumMod val="50000"/>
               </a:schemeClr>
             </a:solidFill>
             <a:ln w="28575">

--- a/Planning Documents/Screen.pptx
+++ b/Planning Documents/Screen.pptx
@@ -238,7 +238,7 @@
           <a:p>
             <a:fld id="{0BB903BB-FB47-4722-84FC-D99250FA95C5}" type="datetimeFigureOut">
               <a:rPr lang="ko-KR" altLang="en-US" smtClean="0"/>
-              <a:t>2020-05-20</a:t>
+              <a:t>2020-06-02</a:t>
             </a:fld>
             <a:endParaRPr lang="ko-KR" altLang="en-US" dirty="0"/>
           </a:p>
@@ -805,7 +805,7 @@
           <a:p>
             <a:fld id="{A03DA264-0D3A-4422-B3CA-E3E300D6C14D}" type="datetimeFigureOut">
               <a:rPr lang="ko-KR" altLang="en-US" smtClean="0"/>
-              <a:t>2020-05-20</a:t>
+              <a:t>2020-06-02</a:t>
             </a:fld>
             <a:endParaRPr lang="ko-KR" altLang="en-US" dirty="0"/>
           </a:p>
@@ -982,7 +982,7 @@
           <a:p>
             <a:fld id="{A03DA264-0D3A-4422-B3CA-E3E300D6C14D}" type="datetimeFigureOut">
               <a:rPr lang="ko-KR" altLang="en-US" smtClean="0"/>
-              <a:t>2020-05-20</a:t>
+              <a:t>2020-06-02</a:t>
             </a:fld>
             <a:endParaRPr lang="ko-KR" altLang="en-US" dirty="0"/>
           </a:p>
@@ -1162,7 +1162,7 @@
           <a:p>
             <a:fld id="{A03DA264-0D3A-4422-B3CA-E3E300D6C14D}" type="datetimeFigureOut">
               <a:rPr lang="ko-KR" altLang="en-US" smtClean="0"/>
-              <a:t>2020-05-20</a:t>
+              <a:t>2020-06-02</a:t>
             </a:fld>
             <a:endParaRPr lang="ko-KR" altLang="en-US" dirty="0"/>
           </a:p>
@@ -1332,7 +1332,7 @@
           <a:p>
             <a:fld id="{A03DA264-0D3A-4422-B3CA-E3E300D6C14D}" type="datetimeFigureOut">
               <a:rPr lang="ko-KR" altLang="en-US" smtClean="0"/>
-              <a:t>2020-05-20</a:t>
+              <a:t>2020-06-02</a:t>
             </a:fld>
             <a:endParaRPr lang="ko-KR" altLang="en-US" dirty="0"/>
           </a:p>
@@ -1578,7 +1578,7 @@
           <a:p>
             <a:fld id="{A03DA264-0D3A-4422-B3CA-E3E300D6C14D}" type="datetimeFigureOut">
               <a:rPr lang="ko-KR" altLang="en-US" smtClean="0"/>
-              <a:t>2020-05-20</a:t>
+              <a:t>2020-06-02</a:t>
             </a:fld>
             <a:endParaRPr lang="ko-KR" altLang="en-US" dirty="0"/>
           </a:p>
@@ -1810,7 +1810,7 @@
           <a:p>
             <a:fld id="{A03DA264-0D3A-4422-B3CA-E3E300D6C14D}" type="datetimeFigureOut">
               <a:rPr lang="ko-KR" altLang="en-US" smtClean="0"/>
-              <a:t>2020-05-20</a:t>
+              <a:t>2020-06-02</a:t>
             </a:fld>
             <a:endParaRPr lang="ko-KR" altLang="en-US" dirty="0"/>
           </a:p>
@@ -2177,7 +2177,7 @@
           <a:p>
             <a:fld id="{A03DA264-0D3A-4422-B3CA-E3E300D6C14D}" type="datetimeFigureOut">
               <a:rPr lang="ko-KR" altLang="en-US" smtClean="0"/>
-              <a:t>2020-05-20</a:t>
+              <a:t>2020-06-02</a:t>
             </a:fld>
             <a:endParaRPr lang="ko-KR" altLang="en-US" dirty="0"/>
           </a:p>
@@ -2295,7 +2295,7 @@
           <a:p>
             <a:fld id="{A03DA264-0D3A-4422-B3CA-E3E300D6C14D}" type="datetimeFigureOut">
               <a:rPr lang="ko-KR" altLang="en-US" smtClean="0"/>
-              <a:t>2020-05-20</a:t>
+              <a:t>2020-06-02</a:t>
             </a:fld>
             <a:endParaRPr lang="ko-KR" altLang="en-US" dirty="0"/>
           </a:p>
@@ -2609,7 +2609,7 @@
           <a:p>
             <a:fld id="{A03DA264-0D3A-4422-B3CA-E3E300D6C14D}" type="datetimeFigureOut">
               <a:rPr lang="ko-KR" altLang="en-US" smtClean="0"/>
-              <a:t>2020-05-20</a:t>
+              <a:t>2020-06-02</a:t>
             </a:fld>
             <a:endParaRPr lang="ko-KR" altLang="en-US" dirty="0"/>
           </a:p>
@@ -2862,7 +2862,7 @@
           <a:p>
             <a:fld id="{A03DA264-0D3A-4422-B3CA-E3E300D6C14D}" type="datetimeFigureOut">
               <a:rPr lang="ko-KR" altLang="en-US" smtClean="0"/>
-              <a:t>2020-05-20</a:t>
+              <a:t>2020-06-02</a:t>
             </a:fld>
             <a:endParaRPr lang="ko-KR" altLang="en-US" dirty="0"/>
           </a:p>
@@ -3075,7 +3075,7 @@
           <a:p>
             <a:fld id="{A03DA264-0D3A-4422-B3CA-E3E300D6C14D}" type="datetimeFigureOut">
               <a:rPr lang="ko-KR" altLang="en-US" smtClean="0"/>
-              <a:t>2020-05-20</a:t>
+              <a:t>2020-06-02</a:t>
             </a:fld>
             <a:endParaRPr lang="ko-KR" altLang="en-US" dirty="0"/>
           </a:p>
